--- a/10. Klassifikatsiya/1-dars/Klassifikatsiya.pptx
+++ b/10. Klassifikatsiya/1-dars/Klassifikatsiya.pptx
@@ -12,6 +12,7 @@
     <p:sldId id="260" r:id="rId6"/>
     <p:sldId id="261" r:id="rId7"/>
     <p:sldId id="262" r:id="rId8"/>
+    <p:sldId id="263" r:id="rId9"/>
   </p:sldIdLst>
   <p:sldSz cx="12192000" cy="6858000"/>
   <p:notesSz cx="6858000" cy="9144000"/>
@@ -110,6 +111,11 @@
       </a:defRPr>
     </a:lvl9pPr>
   </p:defaultTextStyle>
+  <p:extLst>
+    <p:ext uri="{EFAFB233-063F-42B5-8137-9DF3F51BA10A}">
+      <p15:sldGuideLst xmlns:p15="http://schemas.microsoft.com/office/powerpoint/2012/main"/>
+    </p:ext>
+  </p:extLst>
 </p:presentation>
 </file>
 
@@ -4848,8 +4854,8 @@
           </a:graphicData>
         </a:graphic>
       </p:graphicFrame>
-      <mc:AlternateContent xmlns:mc="http://schemas.openxmlformats.org/markup-compatibility/2006">
-        <mc:Choice xmlns:a14="http://schemas.microsoft.com/office/drawing/2010/main" Requires="a14">
+      <mc:AlternateContent xmlns:mc="http://schemas.openxmlformats.org/markup-compatibility/2006" xmlns:a14="http://schemas.microsoft.com/office/drawing/2010/main">
+        <mc:Choice Requires="a14">
           <p:sp>
             <p:nvSpPr>
               <p:cNvPr id="3" name="TextBox 2">
@@ -4878,6 +4884,7 @@
               </a:bodyPr>
               <a:lstStyle/>
               <a:p>
+                <a:pPr/>
                 <a14:m>
                   <m:oMathPara xmlns:m="http://schemas.openxmlformats.org/officeDocument/2006/math">
                     <m:oMathParaPr>
@@ -5148,7 +5155,7 @@
             </p:txBody>
           </p:sp>
         </mc:Choice>
-        <mc:Fallback>
+        <mc:Fallback xmlns="">
           <p:sp>
             <p:nvSpPr>
               <p:cNvPr id="3" name="TextBox 2">
@@ -5193,8 +5200,8 @@
           </p:sp>
         </mc:Fallback>
       </mc:AlternateContent>
-      <mc:AlternateContent xmlns:mc="http://schemas.openxmlformats.org/markup-compatibility/2006">
-        <mc:Choice xmlns:a14="http://schemas.microsoft.com/office/drawing/2010/main" Requires="a14">
+      <mc:AlternateContent xmlns:mc="http://schemas.openxmlformats.org/markup-compatibility/2006" xmlns:a14="http://schemas.microsoft.com/office/drawing/2010/main">
+        <mc:Choice Requires="a14">
           <p:sp>
             <p:nvSpPr>
               <p:cNvPr id="7" name="TextBox 6">
@@ -5306,7 +5313,7 @@
             </p:txBody>
           </p:sp>
         </mc:Choice>
-        <mc:Fallback>
+        <mc:Fallback xmlns="">
           <p:sp>
             <p:nvSpPr>
               <p:cNvPr id="7" name="TextBox 6">
@@ -5351,8 +5358,8 @@
           </p:sp>
         </mc:Fallback>
       </mc:AlternateContent>
-      <mc:AlternateContent xmlns:mc="http://schemas.openxmlformats.org/markup-compatibility/2006">
-        <mc:Choice xmlns:a14="http://schemas.microsoft.com/office/drawing/2010/main" Requires="a14">
+      <mc:AlternateContent xmlns:mc="http://schemas.openxmlformats.org/markup-compatibility/2006" xmlns:a14="http://schemas.microsoft.com/office/drawing/2010/main">
+        <mc:Choice Requires="a14">
           <p:sp>
             <p:nvSpPr>
               <p:cNvPr id="8" name="TextBox 7">
@@ -5499,7 +5506,7 @@
             </p:txBody>
           </p:sp>
         </mc:Choice>
-        <mc:Fallback>
+        <mc:Fallback xmlns="">
           <p:sp>
             <p:nvSpPr>
               <p:cNvPr id="8" name="TextBox 7">
@@ -5661,8 +5668,8 @@
           </a:p>
         </p:txBody>
       </p:sp>
-      <mc:AlternateContent xmlns:mc="http://schemas.openxmlformats.org/markup-compatibility/2006">
-        <mc:Choice xmlns:a14="http://schemas.microsoft.com/office/drawing/2010/main" Requires="a14">
+      <mc:AlternateContent xmlns:mc="http://schemas.openxmlformats.org/markup-compatibility/2006" xmlns:a14="http://schemas.microsoft.com/office/drawing/2010/main">
+        <mc:Choice Requires="a14">
           <p:sp>
             <p:nvSpPr>
               <p:cNvPr id="10" name="TextBox 9">
@@ -5759,7 +5766,7 @@
             </p:txBody>
           </p:sp>
         </mc:Choice>
-        <mc:Fallback>
+        <mc:Fallback xmlns="">
           <p:sp>
             <p:nvSpPr>
               <p:cNvPr id="10" name="TextBox 9">
@@ -5804,8 +5811,8 @@
           </p:sp>
         </mc:Fallback>
       </mc:AlternateContent>
-      <mc:AlternateContent xmlns:mc="http://schemas.openxmlformats.org/markup-compatibility/2006">
-        <mc:Choice xmlns:a14="http://schemas.microsoft.com/office/drawing/2010/main" Requires="a14">
+      <mc:AlternateContent xmlns:mc="http://schemas.openxmlformats.org/markup-compatibility/2006" xmlns:a14="http://schemas.microsoft.com/office/drawing/2010/main">
+        <mc:Choice Requires="a14">
           <p:sp>
             <p:nvSpPr>
               <p:cNvPr id="11" name="TextBox 10">
@@ -5954,7 +5961,7 @@
             </p:txBody>
           </p:sp>
         </mc:Choice>
-        <mc:Fallback>
+        <mc:Fallback xmlns="">
           <p:sp>
             <p:nvSpPr>
               <p:cNvPr id="11" name="TextBox 10">
@@ -5999,8 +6006,8 @@
           </p:sp>
         </mc:Fallback>
       </mc:AlternateContent>
-      <mc:AlternateContent xmlns:mc="http://schemas.openxmlformats.org/markup-compatibility/2006">
-        <mc:Choice xmlns:a14="http://schemas.microsoft.com/office/drawing/2010/main" Requires="a14">
+      <mc:AlternateContent xmlns:mc="http://schemas.openxmlformats.org/markup-compatibility/2006" xmlns:a14="http://schemas.microsoft.com/office/drawing/2010/main">
+        <mc:Choice Requires="a14">
           <p:sp>
             <p:nvSpPr>
               <p:cNvPr id="12" name="TextBox 11">
@@ -6029,6 +6036,7 @@
               </a:bodyPr>
               <a:lstStyle/>
               <a:p>
+                <a:pPr/>
                 <a14:m>
                   <m:oMathPara xmlns:m="http://schemas.openxmlformats.org/officeDocument/2006/math">
                     <m:oMathParaPr>
@@ -6349,7 +6357,7 @@
             </p:txBody>
           </p:sp>
         </mc:Choice>
-        <mc:Fallback>
+        <mc:Fallback xmlns="">
           <p:sp>
             <p:nvSpPr>
               <p:cNvPr id="12" name="TextBox 11">
@@ -7794,8 +7802,8 @@
           </a:extLst>
         </p:spPr>
       </p:pic>
-      <mc:AlternateContent xmlns:mc="http://schemas.openxmlformats.org/markup-compatibility/2006">
-        <mc:Choice xmlns:a14="http://schemas.microsoft.com/office/drawing/2010/main" Requires="a14">
+      <mc:AlternateContent xmlns:mc="http://schemas.openxmlformats.org/markup-compatibility/2006" xmlns:a14="http://schemas.microsoft.com/office/drawing/2010/main">
+        <mc:Choice Requires="a14">
           <p:sp>
             <p:nvSpPr>
               <p:cNvPr id="5" name="TextBox 4">
@@ -7851,7 +7859,7 @@
             </p:txBody>
           </p:sp>
         </mc:Choice>
-        <mc:Fallback>
+        <mc:Fallback xmlns="">
           <p:sp>
             <p:nvSpPr>
               <p:cNvPr id="5" name="TextBox 4">
@@ -7896,8 +7904,8 @@
           </p:sp>
         </mc:Fallback>
       </mc:AlternateContent>
-      <mc:AlternateContent xmlns:mc="http://schemas.openxmlformats.org/markup-compatibility/2006">
-        <mc:Choice xmlns:a14="http://schemas.microsoft.com/office/drawing/2010/main" Requires="a14">
+      <mc:AlternateContent xmlns:mc="http://schemas.openxmlformats.org/markup-compatibility/2006" xmlns:a14="http://schemas.microsoft.com/office/drawing/2010/main">
+        <mc:Choice Requires="a14">
           <p:sp>
             <p:nvSpPr>
               <p:cNvPr id="14" name="TextBox 13">
@@ -7962,7 +7970,7 @@
             </p:txBody>
           </p:sp>
         </mc:Choice>
-        <mc:Fallback>
+        <mc:Fallback xmlns="">
           <p:sp>
             <p:nvSpPr>
               <p:cNvPr id="14" name="TextBox 13">
@@ -8007,8 +8015,8 @@
           </p:sp>
         </mc:Fallback>
       </mc:AlternateContent>
-      <mc:AlternateContent xmlns:mc="http://schemas.openxmlformats.org/markup-compatibility/2006">
-        <mc:Choice xmlns:a14="http://schemas.microsoft.com/office/drawing/2010/main" Requires="a14">
+      <mc:AlternateContent xmlns:mc="http://schemas.openxmlformats.org/markup-compatibility/2006" xmlns:a14="http://schemas.microsoft.com/office/drawing/2010/main">
+        <mc:Choice Requires="a14">
           <p:sp>
             <p:nvSpPr>
               <p:cNvPr id="15" name="TextBox 14">
@@ -8073,7 +8081,7 @@
             </p:txBody>
           </p:sp>
         </mc:Choice>
-        <mc:Fallback>
+        <mc:Fallback xmlns="">
           <p:sp>
             <p:nvSpPr>
               <p:cNvPr id="15" name="TextBox 14">
@@ -8118,8 +8126,8 @@
           </p:sp>
         </mc:Fallback>
       </mc:AlternateContent>
-      <mc:AlternateContent xmlns:mc="http://schemas.openxmlformats.org/markup-compatibility/2006">
-        <mc:Choice xmlns:a14="http://schemas.microsoft.com/office/drawing/2010/main" Requires="a14">
+      <mc:AlternateContent xmlns:mc="http://schemas.openxmlformats.org/markup-compatibility/2006" xmlns:a14="http://schemas.microsoft.com/office/drawing/2010/main">
+        <mc:Choice Requires="a14">
           <p:sp>
             <p:nvSpPr>
               <p:cNvPr id="16" name="TextBox 15">
@@ -8184,7 +8192,7 @@
             </p:txBody>
           </p:sp>
         </mc:Choice>
-        <mc:Fallback>
+        <mc:Fallback xmlns="">
           <p:sp>
             <p:nvSpPr>
               <p:cNvPr id="16" name="TextBox 15">
@@ -8229,8 +8237,8 @@
           </p:sp>
         </mc:Fallback>
       </mc:AlternateContent>
-      <mc:AlternateContent xmlns:mc="http://schemas.openxmlformats.org/markup-compatibility/2006">
-        <mc:Choice xmlns:a14="http://schemas.microsoft.com/office/drawing/2010/main" Requires="a14">
+      <mc:AlternateContent xmlns:mc="http://schemas.openxmlformats.org/markup-compatibility/2006" xmlns:a14="http://schemas.microsoft.com/office/drawing/2010/main">
+        <mc:Choice Requires="a14">
           <p:sp>
             <p:nvSpPr>
               <p:cNvPr id="13" name="TextBox 12">
@@ -8259,6 +8267,7 @@
               </a:bodyPr>
               <a:lstStyle/>
               <a:p>
+                <a:pPr/>
                 <a14:m>
                   <m:oMathPara xmlns:m="http://schemas.openxmlformats.org/officeDocument/2006/math">
                     <m:oMathParaPr>
@@ -8354,7 +8363,7 @@
             </p:txBody>
           </p:sp>
         </mc:Choice>
-        <mc:Fallback>
+        <mc:Fallback xmlns="">
           <p:sp>
             <p:nvSpPr>
               <p:cNvPr id="13" name="TextBox 12">
@@ -8399,8 +8408,8 @@
           </p:sp>
         </mc:Fallback>
       </mc:AlternateContent>
-      <mc:AlternateContent xmlns:mc="http://schemas.openxmlformats.org/markup-compatibility/2006">
-        <mc:Choice xmlns:a14="http://schemas.microsoft.com/office/drawing/2010/main" Requires="a14">
+      <mc:AlternateContent xmlns:mc="http://schemas.openxmlformats.org/markup-compatibility/2006" xmlns:a14="http://schemas.microsoft.com/office/drawing/2010/main">
+        <mc:Choice Requires="a14">
           <p:sp>
             <p:nvSpPr>
               <p:cNvPr id="18" name="TextBox 17">
@@ -8429,6 +8438,7 @@
               </a:bodyPr>
               <a:lstStyle/>
               <a:p>
+                <a:pPr/>
                 <a14:m>
                   <m:oMathPara xmlns:m="http://schemas.openxmlformats.org/officeDocument/2006/math">
                     <m:oMathParaPr>
@@ -8524,7 +8534,7 @@
             </p:txBody>
           </p:sp>
         </mc:Choice>
-        <mc:Fallback>
+        <mc:Fallback xmlns="">
           <p:sp>
             <p:nvSpPr>
               <p:cNvPr id="18" name="TextBox 17">
@@ -9614,8 +9624,8 @@
         </p:nvSpPr>
         <p:spPr>
           <a:xfrm>
-            <a:off x="601109" y="514326"/>
-            <a:ext cx="9010251" cy="501932"/>
+            <a:off x="610345" y="338835"/>
+            <a:ext cx="10731909" cy="501932"/>
           </a:xfrm>
           <a:prstGeom prst="rect">
             <a:avLst/>
@@ -9628,7 +9638,7 @@
           </a:bodyPr>
           <a:lstStyle/>
           <a:p>
-            <a:pPr>
+            <a:pPr algn="ctr">
               <a:lnSpc>
                 <a:spcPct val="150000"/>
               </a:lnSpc>
@@ -9738,1052 +9748,6 @@
               </a:solidFill>
               <a:latin typeface="Montserrat SemiBold" panose="00000700000000000000" pitchFamily="2" charset="0"/>
             </a:endParaRPr>
-          </a:p>
-        </p:txBody>
-      </p:sp>
-      <mc:AlternateContent xmlns:mc="http://schemas.openxmlformats.org/markup-compatibility/2006">
-        <mc:Choice xmlns:a14="http://schemas.microsoft.com/office/drawing/2010/main" Requires="a14">
-          <p:sp>
-            <p:nvSpPr>
-              <p:cNvPr id="5" name="TextBox 4">
-                <a:extLst>
-                  <a:ext uri="{FF2B5EF4-FFF2-40B4-BE49-F238E27FC236}">
-                    <a16:creationId xmlns:a16="http://schemas.microsoft.com/office/drawing/2014/main" id="{5C93183D-4CD8-4838-B042-EA8797BCCCBE}"/>
-                  </a:ext>
-                </a:extLst>
-              </p:cNvPr>
-              <p:cNvSpPr txBox="1"/>
-              <p:nvPr/>
-            </p:nvSpPr>
-            <p:spPr>
-              <a:xfrm>
-                <a:off x="7040479" y="4087767"/>
-                <a:ext cx="716280" cy="276999"/>
-              </a:xfrm>
-              <a:prstGeom prst="rect">
-                <a:avLst/>
-              </a:prstGeom>
-              <a:noFill/>
-            </p:spPr>
-            <p:txBody>
-              <a:bodyPr wrap="square" lIns="0" tIns="0" rIns="0" bIns="0" rtlCol="0">
-                <a:spAutoFit/>
-              </a:bodyPr>
-              <a:lstStyle/>
-              <a:p>
-                <a:pPr/>
-                <a14:m>
-                  <m:oMathPara xmlns:m="http://schemas.openxmlformats.org/officeDocument/2006/math">
-                    <m:oMathParaPr>
-                      <m:jc m:val="left"/>
-                    </m:oMathParaPr>
-                    <m:oMath xmlns:m="http://schemas.openxmlformats.org/officeDocument/2006/math">
-                      <m:r>
-                        <a:rPr lang="en-US" b="0" i="1" smtClean="0">
-                          <a:latin typeface="Cambria Math" panose="02040503050406030204" pitchFamily="18" charset="0"/>
-                        </a:rPr>
-                        <m:t>𝑇𝑃</m:t>
-                      </m:r>
-                      <m:r>
-                        <a:rPr lang="en-US" b="0" i="1" smtClean="0">
-                          <a:latin typeface="Cambria Math" panose="02040503050406030204" pitchFamily="18" charset="0"/>
-                        </a:rPr>
-                        <m:t>=3</m:t>
-                      </m:r>
-                    </m:oMath>
-                  </m:oMathPara>
-                </a14:m>
-                <a:endParaRPr lang="en-US" b="0" dirty="0"/>
-              </a:p>
-            </p:txBody>
-          </p:sp>
-        </mc:Choice>
-        <mc:Fallback>
-          <p:sp>
-            <p:nvSpPr>
-              <p:cNvPr id="5" name="TextBox 4">
-                <a:extLst>
-                  <a:ext uri="{FF2B5EF4-FFF2-40B4-BE49-F238E27FC236}">
-                    <a16:creationId xmlns:a16="http://schemas.microsoft.com/office/drawing/2014/main" id="{5C93183D-4CD8-4838-B042-EA8797BCCCBE}"/>
-                  </a:ext>
-                </a:extLst>
-              </p:cNvPr>
-              <p:cNvSpPr txBox="1">
-                <a:spLocks noRot="1" noChangeAspect="1" noMove="1" noResize="1" noEditPoints="1" noAdjustHandles="1" noChangeArrowheads="1" noChangeShapeType="1" noTextEdit="1"/>
-              </p:cNvSpPr>
-              <p:nvPr/>
-            </p:nvSpPr>
-            <p:spPr>
-              <a:xfrm>
-                <a:off x="7040479" y="4087767"/>
-                <a:ext cx="716280" cy="276999"/>
-              </a:xfrm>
-              <a:prstGeom prst="rect">
-                <a:avLst/>
-              </a:prstGeom>
-              <a:blipFill>
-                <a:blip r:embed="rId2"/>
-                <a:stretch>
-                  <a:fillRect l="-11966" r="-10256" b="-6667"/>
-                </a:stretch>
-              </a:blipFill>
-            </p:spPr>
-            <p:txBody>
-              <a:bodyPr/>
-              <a:lstStyle/>
-              <a:p>
-                <a:r>
-                  <a:rPr lang="en-US">
-                    <a:noFill/>
-                  </a:rPr>
-                  <a:t> </a:t>
-                </a:r>
-              </a:p>
-            </p:txBody>
-          </p:sp>
-        </mc:Fallback>
-      </mc:AlternateContent>
-      <mc:AlternateContent xmlns:mc="http://schemas.openxmlformats.org/markup-compatibility/2006">
-        <mc:Choice xmlns:a14="http://schemas.microsoft.com/office/drawing/2010/main" Requires="a14">
-          <p:sp>
-            <p:nvSpPr>
-              <p:cNvPr id="14" name="TextBox 13">
-                <a:extLst>
-                  <a:ext uri="{FF2B5EF4-FFF2-40B4-BE49-F238E27FC236}">
-                    <a16:creationId xmlns:a16="http://schemas.microsoft.com/office/drawing/2014/main" id="{D5451C30-E8DD-4F05-9A3E-C9E9B633EB90}"/>
-                  </a:ext>
-                </a:extLst>
-              </p:cNvPr>
-              <p:cNvSpPr txBox="1"/>
-              <p:nvPr/>
-            </p:nvSpPr>
-            <p:spPr>
-              <a:xfrm>
-                <a:off x="7040479" y="4514487"/>
-                <a:ext cx="716280" cy="276999"/>
-              </a:xfrm>
-              <a:prstGeom prst="rect">
-                <a:avLst/>
-              </a:prstGeom>
-              <a:noFill/>
-            </p:spPr>
-            <p:txBody>
-              <a:bodyPr wrap="square" lIns="0" tIns="0" rIns="0" bIns="0" rtlCol="0">
-                <a:spAutoFit/>
-              </a:bodyPr>
-              <a:lstStyle/>
-              <a:p>
-                <a:pPr/>
-                <a14:m>
-                  <m:oMathPara xmlns:m="http://schemas.openxmlformats.org/officeDocument/2006/math">
-                    <m:oMathParaPr>
-                      <m:jc m:val="left"/>
-                    </m:oMathParaPr>
-                    <m:oMath xmlns:m="http://schemas.openxmlformats.org/officeDocument/2006/math">
-                      <m:r>
-                        <m:rPr>
-                          <m:sty m:val="p"/>
-                        </m:rPr>
-                        <a:rPr lang="en-US" smtClean="0">
-                          <a:latin typeface="Cambria Math" panose="02040503050406030204" pitchFamily="18" charset="0"/>
-                        </a:rPr>
-                        <m:t>F</m:t>
-                      </m:r>
-                      <m:r>
-                        <a:rPr lang="en-US" b="0" i="1" smtClean="0">
-                          <a:latin typeface="Cambria Math" panose="02040503050406030204" pitchFamily="18" charset="0"/>
-                        </a:rPr>
-                        <m:t>𝑃</m:t>
-                      </m:r>
-                      <m:r>
-                        <a:rPr lang="en-US" b="0" i="1" smtClean="0">
-                          <a:latin typeface="Cambria Math" panose="02040503050406030204" pitchFamily="18" charset="0"/>
-                        </a:rPr>
-                        <m:t>=1</m:t>
-                      </m:r>
-                    </m:oMath>
-                  </m:oMathPara>
-                </a14:m>
-                <a:endParaRPr lang="en-US" b="0" dirty="0"/>
-              </a:p>
-            </p:txBody>
-          </p:sp>
-        </mc:Choice>
-        <mc:Fallback>
-          <p:sp>
-            <p:nvSpPr>
-              <p:cNvPr id="14" name="TextBox 13">
-                <a:extLst>
-                  <a:ext uri="{FF2B5EF4-FFF2-40B4-BE49-F238E27FC236}">
-                    <a16:creationId xmlns:a16="http://schemas.microsoft.com/office/drawing/2014/main" id="{D5451C30-E8DD-4F05-9A3E-C9E9B633EB90}"/>
-                  </a:ext>
-                </a:extLst>
-              </p:cNvPr>
-              <p:cNvSpPr txBox="1">
-                <a:spLocks noRot="1" noChangeAspect="1" noMove="1" noResize="1" noEditPoints="1" noAdjustHandles="1" noChangeArrowheads="1" noChangeShapeType="1" noTextEdit="1"/>
-              </p:cNvSpPr>
-              <p:nvPr/>
-            </p:nvSpPr>
-            <p:spPr>
-              <a:xfrm>
-                <a:off x="7040479" y="4514487"/>
-                <a:ext cx="716280" cy="276999"/>
-              </a:xfrm>
-              <a:prstGeom prst="rect">
-                <a:avLst/>
-              </a:prstGeom>
-              <a:blipFill>
-                <a:blip r:embed="rId3"/>
-                <a:stretch>
-                  <a:fillRect l="-11966" r="-8547" b="-6667"/>
-                </a:stretch>
-              </a:blipFill>
-            </p:spPr>
-            <p:txBody>
-              <a:bodyPr/>
-              <a:lstStyle/>
-              <a:p>
-                <a:r>
-                  <a:rPr lang="en-US">
-                    <a:noFill/>
-                  </a:rPr>
-                  <a:t> </a:t>
-                </a:r>
-              </a:p>
-            </p:txBody>
-          </p:sp>
-        </mc:Fallback>
-      </mc:AlternateContent>
-      <mc:AlternateContent xmlns:mc="http://schemas.openxmlformats.org/markup-compatibility/2006">
-        <mc:Choice xmlns:a14="http://schemas.microsoft.com/office/drawing/2010/main" Requires="a14">
-          <p:sp>
-            <p:nvSpPr>
-              <p:cNvPr id="15" name="TextBox 14">
-                <a:extLst>
-                  <a:ext uri="{FF2B5EF4-FFF2-40B4-BE49-F238E27FC236}">
-                    <a16:creationId xmlns:a16="http://schemas.microsoft.com/office/drawing/2014/main" id="{49A019C8-34CC-4EEF-885F-63BF6C567D7B}"/>
-                  </a:ext>
-                </a:extLst>
-              </p:cNvPr>
-              <p:cNvSpPr txBox="1"/>
-              <p:nvPr/>
-            </p:nvSpPr>
-            <p:spPr>
-              <a:xfrm>
-                <a:off x="7040479" y="5459367"/>
-                <a:ext cx="769620" cy="276999"/>
-              </a:xfrm>
-              <a:prstGeom prst="rect">
-                <a:avLst/>
-              </a:prstGeom>
-              <a:noFill/>
-            </p:spPr>
-            <p:txBody>
-              <a:bodyPr wrap="square" lIns="0" tIns="0" rIns="0" bIns="0" rtlCol="0">
-                <a:spAutoFit/>
-              </a:bodyPr>
-              <a:lstStyle/>
-              <a:p>
-                <a:pPr/>
-                <a14:m>
-                  <m:oMathPara xmlns:m="http://schemas.openxmlformats.org/officeDocument/2006/math">
-                    <m:oMathParaPr>
-                      <m:jc m:val="left"/>
-                    </m:oMathParaPr>
-                    <m:oMath xmlns:m="http://schemas.openxmlformats.org/officeDocument/2006/math">
-                      <m:r>
-                        <m:rPr>
-                          <m:sty m:val="p"/>
-                        </m:rPr>
-                        <a:rPr lang="en-US" smtClean="0">
-                          <a:latin typeface="Cambria Math" panose="02040503050406030204" pitchFamily="18" charset="0"/>
-                        </a:rPr>
-                        <m:t>F</m:t>
-                      </m:r>
-                      <m:r>
-                        <a:rPr lang="en-US" b="0" i="1" smtClean="0">
-                          <a:latin typeface="Cambria Math" panose="02040503050406030204" pitchFamily="18" charset="0"/>
-                        </a:rPr>
-                        <m:t>𝑁</m:t>
-                      </m:r>
-                      <m:r>
-                        <a:rPr lang="en-US" b="0" i="1" smtClean="0">
-                          <a:latin typeface="Cambria Math" panose="02040503050406030204" pitchFamily="18" charset="0"/>
-                        </a:rPr>
-                        <m:t>=3</m:t>
-                      </m:r>
-                    </m:oMath>
-                  </m:oMathPara>
-                </a14:m>
-                <a:endParaRPr lang="en-US" b="0" dirty="0"/>
-              </a:p>
-            </p:txBody>
-          </p:sp>
-        </mc:Choice>
-        <mc:Fallback>
-          <p:sp>
-            <p:nvSpPr>
-              <p:cNvPr id="15" name="TextBox 14">
-                <a:extLst>
-                  <a:ext uri="{FF2B5EF4-FFF2-40B4-BE49-F238E27FC236}">
-                    <a16:creationId xmlns:a16="http://schemas.microsoft.com/office/drawing/2014/main" id="{49A019C8-34CC-4EEF-885F-63BF6C567D7B}"/>
-                  </a:ext>
-                </a:extLst>
-              </p:cNvPr>
-              <p:cNvSpPr txBox="1">
-                <a:spLocks noRot="1" noChangeAspect="1" noMove="1" noResize="1" noEditPoints="1" noAdjustHandles="1" noChangeArrowheads="1" noChangeShapeType="1" noTextEdit="1"/>
-              </p:cNvSpPr>
-              <p:nvPr/>
-            </p:nvSpPr>
-            <p:spPr>
-              <a:xfrm>
-                <a:off x="7040479" y="5459367"/>
-                <a:ext cx="769620" cy="276999"/>
-              </a:xfrm>
-              <a:prstGeom prst="rect">
-                <a:avLst/>
-              </a:prstGeom>
-              <a:blipFill>
-                <a:blip r:embed="rId4"/>
-                <a:stretch>
-                  <a:fillRect l="-11111" r="-3968" b="-6667"/>
-                </a:stretch>
-              </a:blipFill>
-            </p:spPr>
-            <p:txBody>
-              <a:bodyPr/>
-              <a:lstStyle/>
-              <a:p>
-                <a:r>
-                  <a:rPr lang="en-US">
-                    <a:noFill/>
-                  </a:rPr>
-                  <a:t> </a:t>
-                </a:r>
-              </a:p>
-            </p:txBody>
-          </p:sp>
-        </mc:Fallback>
-      </mc:AlternateContent>
-      <mc:AlternateContent xmlns:mc="http://schemas.openxmlformats.org/markup-compatibility/2006">
-        <mc:Choice xmlns:a14="http://schemas.microsoft.com/office/drawing/2010/main" Requires="a14">
-          <p:sp>
-            <p:nvSpPr>
-              <p:cNvPr id="16" name="TextBox 15">
-                <a:extLst>
-                  <a:ext uri="{FF2B5EF4-FFF2-40B4-BE49-F238E27FC236}">
-                    <a16:creationId xmlns:a16="http://schemas.microsoft.com/office/drawing/2014/main" id="{C9371D6F-A865-48E8-8966-65710AA38728}"/>
-                  </a:ext>
-                </a:extLst>
-              </p:cNvPr>
-              <p:cNvSpPr txBox="1"/>
-              <p:nvPr/>
-            </p:nvSpPr>
-            <p:spPr>
-              <a:xfrm>
-                <a:off x="7040479" y="5886087"/>
-                <a:ext cx="769620" cy="276999"/>
-              </a:xfrm>
-              <a:prstGeom prst="rect">
-                <a:avLst/>
-              </a:prstGeom>
-              <a:noFill/>
-            </p:spPr>
-            <p:txBody>
-              <a:bodyPr wrap="square" lIns="0" tIns="0" rIns="0" bIns="0" rtlCol="0">
-                <a:spAutoFit/>
-              </a:bodyPr>
-              <a:lstStyle/>
-              <a:p>
-                <a:pPr/>
-                <a14:m>
-                  <m:oMathPara xmlns:m="http://schemas.openxmlformats.org/officeDocument/2006/math">
-                    <m:oMathParaPr>
-                      <m:jc m:val="left"/>
-                    </m:oMathParaPr>
-                    <m:oMath xmlns:m="http://schemas.openxmlformats.org/officeDocument/2006/math">
-                      <m:r>
-                        <m:rPr>
-                          <m:sty m:val="p"/>
-                        </m:rPr>
-                        <a:rPr lang="en-US" smtClean="0">
-                          <a:latin typeface="Cambria Math" panose="02040503050406030204" pitchFamily="18" charset="0"/>
-                        </a:rPr>
-                        <m:t>T</m:t>
-                      </m:r>
-                      <m:r>
-                        <a:rPr lang="en-US" b="0" i="1" smtClean="0">
-                          <a:latin typeface="Cambria Math" panose="02040503050406030204" pitchFamily="18" charset="0"/>
-                        </a:rPr>
-                        <m:t>𝑁</m:t>
-                      </m:r>
-                      <m:r>
-                        <a:rPr lang="en-US" b="0" i="1" smtClean="0">
-                          <a:latin typeface="Cambria Math" panose="02040503050406030204" pitchFamily="18" charset="0"/>
-                        </a:rPr>
-                        <m:t>=2</m:t>
-                      </m:r>
-                    </m:oMath>
-                  </m:oMathPara>
-                </a14:m>
-                <a:endParaRPr lang="en-US" b="0" dirty="0"/>
-              </a:p>
-            </p:txBody>
-          </p:sp>
-        </mc:Choice>
-        <mc:Fallback>
-          <p:sp>
-            <p:nvSpPr>
-              <p:cNvPr id="16" name="TextBox 15">
-                <a:extLst>
-                  <a:ext uri="{FF2B5EF4-FFF2-40B4-BE49-F238E27FC236}">
-                    <a16:creationId xmlns:a16="http://schemas.microsoft.com/office/drawing/2014/main" id="{C9371D6F-A865-48E8-8966-65710AA38728}"/>
-                  </a:ext>
-                </a:extLst>
-              </p:cNvPr>
-              <p:cNvSpPr txBox="1">
-                <a:spLocks noRot="1" noChangeAspect="1" noMove="1" noResize="1" noEditPoints="1" noAdjustHandles="1" noChangeArrowheads="1" noChangeShapeType="1" noTextEdit="1"/>
-              </p:cNvSpPr>
-              <p:nvPr/>
-            </p:nvSpPr>
-            <p:spPr>
-              <a:xfrm>
-                <a:off x="7040479" y="5886087"/>
-                <a:ext cx="769620" cy="276999"/>
-              </a:xfrm>
-              <a:prstGeom prst="rect">
-                <a:avLst/>
-              </a:prstGeom>
-              <a:blipFill>
-                <a:blip r:embed="rId5"/>
-                <a:stretch>
-                  <a:fillRect l="-11111" r="-5556" b="-6667"/>
-                </a:stretch>
-              </a:blipFill>
-            </p:spPr>
-            <p:txBody>
-              <a:bodyPr/>
-              <a:lstStyle/>
-              <a:p>
-                <a:r>
-                  <a:rPr lang="en-US">
-                    <a:noFill/>
-                  </a:rPr>
-                  <a:t> </a:t>
-                </a:r>
-              </a:p>
-            </p:txBody>
-          </p:sp>
-        </mc:Fallback>
-      </mc:AlternateContent>
-      <mc:AlternateContent xmlns:mc="http://schemas.openxmlformats.org/markup-compatibility/2006">
-        <mc:Choice xmlns:a14="http://schemas.microsoft.com/office/drawing/2010/main" Requires="a14">
-          <p:sp>
-            <p:nvSpPr>
-              <p:cNvPr id="13" name="TextBox 12">
-                <a:extLst>
-                  <a:ext uri="{FF2B5EF4-FFF2-40B4-BE49-F238E27FC236}">
-                    <a16:creationId xmlns:a16="http://schemas.microsoft.com/office/drawing/2014/main" id="{7D959980-CBCC-460D-B4BF-97971A092886}"/>
-                  </a:ext>
-                </a:extLst>
-              </p:cNvPr>
-              <p:cNvSpPr txBox="1"/>
-              <p:nvPr/>
-            </p:nvSpPr>
-            <p:spPr>
-              <a:xfrm>
-                <a:off x="4933024" y="1797671"/>
-                <a:ext cx="2160014" cy="1231684"/>
-              </a:xfrm>
-              <a:prstGeom prst="rect">
-                <a:avLst/>
-              </a:prstGeom>
-              <a:noFill/>
-            </p:spPr>
-            <p:txBody>
-              <a:bodyPr wrap="square" lIns="0" tIns="0" rIns="0" bIns="0" rtlCol="0">
-                <a:spAutoFit/>
-              </a:bodyPr>
-              <a:lstStyle/>
-              <a:p>
-                <a:pPr/>
-                <a14:m>
-                  <m:oMathPara xmlns:m="http://schemas.openxmlformats.org/officeDocument/2006/math">
-                    <m:oMathParaPr>
-                      <m:jc m:val="centerGroup"/>
-                    </m:oMathParaPr>
-                    <m:oMath xmlns:m="http://schemas.openxmlformats.org/officeDocument/2006/math">
-                      <m:d>
-                        <m:dPr>
-                          <m:begChr m:val="["/>
-                          <m:endChr m:val="]"/>
-                          <m:ctrlPr>
-                            <a:rPr lang="en-US" sz="4800" i="1" smtClean="0">
-                              <a:latin typeface="Cambria Math" panose="02040503050406030204" pitchFamily="18" charset="0"/>
-                            </a:rPr>
-                          </m:ctrlPr>
-                        </m:dPr>
-                        <m:e>
-                          <m:r>
-                            <a:rPr lang="en-US" sz="4800" b="0" i="1" smtClean="0">
-                              <a:latin typeface="Cambria Math" panose="02040503050406030204" pitchFamily="18" charset="0"/>
-                            </a:rPr>
-                            <m:t> </m:t>
-                          </m:r>
-                          <m:m>
-                            <m:mPr>
-                              <m:mcs>
-                                <m:mc>
-                                  <m:mcPr>
-                                    <m:count m:val="2"/>
-                                    <m:mcJc m:val="center"/>
-                                  </m:mcPr>
-                                </m:mc>
-                              </m:mcs>
-                              <m:ctrlPr>
-                                <a:rPr lang="en-US" sz="4800" i="1">
-                                  <a:latin typeface="Cambria Math" panose="02040503050406030204" pitchFamily="18" charset="0"/>
-                                </a:rPr>
-                              </m:ctrlPr>
-                            </m:mPr>
-                            <m:mr>
-                              <m:e>
-                                <m:r>
-                                  <m:rPr>
-                                    <m:brk m:alnAt="7"/>
-                                  </m:rPr>
-                                  <a:rPr lang="en-US" sz="4800" i="1">
-                                    <a:latin typeface="Cambria Math" panose="02040503050406030204" pitchFamily="18" charset="0"/>
-                                  </a:rPr>
-                                  <m:t>3</m:t>
-                                </m:r>
-                              </m:e>
-                              <m:e>
-                                <m:r>
-                                  <a:rPr lang="en-US" sz="4800" i="1">
-                                    <a:latin typeface="Cambria Math" panose="02040503050406030204" pitchFamily="18" charset="0"/>
-                                  </a:rPr>
-                                  <m:t>1</m:t>
-                                </m:r>
-                              </m:e>
-                            </m:mr>
-                            <m:mr>
-                              <m:e>
-                                <m:r>
-                                  <a:rPr lang="en-US" sz="4800" i="1">
-                                    <a:latin typeface="Cambria Math" panose="02040503050406030204" pitchFamily="18" charset="0"/>
-                                  </a:rPr>
-                                  <m:t>3</m:t>
-                                </m:r>
-                              </m:e>
-                              <m:e>
-                                <m:r>
-                                  <a:rPr lang="en-US" sz="4800" i="1">
-                                    <a:latin typeface="Cambria Math" panose="02040503050406030204" pitchFamily="18" charset="0"/>
-                                  </a:rPr>
-                                  <m:t>2</m:t>
-                                </m:r>
-                              </m:e>
-                            </m:mr>
-                          </m:m>
-                          <m:r>
-                            <a:rPr lang="en-US" sz="4800" b="0" i="1" smtClean="0">
-                              <a:latin typeface="Cambria Math" panose="02040503050406030204" pitchFamily="18" charset="0"/>
-                            </a:rPr>
-                            <m:t> </m:t>
-                          </m:r>
-                        </m:e>
-                      </m:d>
-                    </m:oMath>
-                  </m:oMathPara>
-                </a14:m>
-                <a:endParaRPr lang="en-US" sz="4800" dirty="0"/>
-              </a:p>
-            </p:txBody>
-          </p:sp>
-        </mc:Choice>
-        <mc:Fallback>
-          <p:sp>
-            <p:nvSpPr>
-              <p:cNvPr id="13" name="TextBox 12">
-                <a:extLst>
-                  <a:ext uri="{FF2B5EF4-FFF2-40B4-BE49-F238E27FC236}">
-                    <a16:creationId xmlns:a16="http://schemas.microsoft.com/office/drawing/2014/main" id="{7D959980-CBCC-460D-B4BF-97971A092886}"/>
-                  </a:ext>
-                </a:extLst>
-              </p:cNvPr>
-              <p:cNvSpPr txBox="1">
-                <a:spLocks noRot="1" noChangeAspect="1" noMove="1" noResize="1" noEditPoints="1" noAdjustHandles="1" noChangeArrowheads="1" noChangeShapeType="1" noTextEdit="1"/>
-              </p:cNvSpPr>
-              <p:nvPr/>
-            </p:nvSpPr>
-            <p:spPr>
-              <a:xfrm>
-                <a:off x="4933024" y="1797671"/>
-                <a:ext cx="2160014" cy="1231684"/>
-              </a:xfrm>
-              <a:prstGeom prst="rect">
-                <a:avLst/>
-              </a:prstGeom>
-              <a:blipFill>
-                <a:blip r:embed="rId6"/>
-                <a:stretch>
-                  <a:fillRect/>
-                </a:stretch>
-              </a:blipFill>
-            </p:spPr>
-            <p:txBody>
-              <a:bodyPr/>
-              <a:lstStyle/>
-              <a:p>
-                <a:r>
-                  <a:rPr lang="en-US">
-                    <a:noFill/>
-                  </a:rPr>
-                  <a:t> </a:t>
-                </a:r>
-              </a:p>
-            </p:txBody>
-          </p:sp>
-        </mc:Fallback>
-      </mc:AlternateContent>
-      <mc:AlternateContent xmlns:mc="http://schemas.openxmlformats.org/markup-compatibility/2006">
-        <mc:Choice xmlns:a14="http://schemas.microsoft.com/office/drawing/2010/main" Requires="a14">
-          <p:sp>
-            <p:nvSpPr>
-              <p:cNvPr id="18" name="TextBox 17">
-                <a:extLst>
-                  <a:ext uri="{FF2B5EF4-FFF2-40B4-BE49-F238E27FC236}">
-                    <a16:creationId xmlns:a16="http://schemas.microsoft.com/office/drawing/2014/main" id="{6007D95E-13AF-4CE0-AE3C-3EB3BE705B68}"/>
-                  </a:ext>
-                </a:extLst>
-              </p:cNvPr>
-              <p:cNvSpPr txBox="1"/>
-              <p:nvPr/>
-            </p:nvSpPr>
-            <p:spPr>
-              <a:xfrm>
-                <a:off x="8031826" y="1797671"/>
-                <a:ext cx="2160014" cy="1231684"/>
-              </a:xfrm>
-              <a:prstGeom prst="rect">
-                <a:avLst/>
-              </a:prstGeom>
-              <a:noFill/>
-            </p:spPr>
-            <p:txBody>
-              <a:bodyPr wrap="square" lIns="0" tIns="0" rIns="0" bIns="0" rtlCol="0">
-                <a:spAutoFit/>
-              </a:bodyPr>
-              <a:lstStyle/>
-              <a:p>
-                <a:pPr/>
-                <a14:m>
-                  <m:oMathPara xmlns:m="http://schemas.openxmlformats.org/officeDocument/2006/math">
-                    <m:oMathParaPr>
-                      <m:jc m:val="centerGroup"/>
-                    </m:oMathParaPr>
-                    <m:oMath xmlns:m="http://schemas.openxmlformats.org/officeDocument/2006/math">
-                      <m:d>
-                        <m:dPr>
-                          <m:begChr m:val="["/>
-                          <m:endChr m:val="]"/>
-                          <m:ctrlPr>
-                            <a:rPr lang="en-US" sz="4800" i="1" smtClean="0">
-                              <a:latin typeface="Cambria Math" panose="02040503050406030204" pitchFamily="18" charset="0"/>
-                            </a:rPr>
-                          </m:ctrlPr>
-                        </m:dPr>
-                        <m:e>
-                          <m:r>
-                            <a:rPr lang="en-US" sz="4800" b="0" i="1" smtClean="0">
-                              <a:latin typeface="Cambria Math" panose="02040503050406030204" pitchFamily="18" charset="0"/>
-                            </a:rPr>
-                            <m:t> </m:t>
-                          </m:r>
-                          <m:m>
-                            <m:mPr>
-                              <m:mcs>
-                                <m:mc>
-                                  <m:mcPr>
-                                    <m:count m:val="2"/>
-                                    <m:mcJc m:val="center"/>
-                                  </m:mcPr>
-                                </m:mc>
-                              </m:mcs>
-                              <m:ctrlPr>
-                                <a:rPr lang="en-US" sz="4800" i="1">
-                                  <a:latin typeface="Cambria Math" panose="02040503050406030204" pitchFamily="18" charset="0"/>
-                                </a:rPr>
-                              </m:ctrlPr>
-                            </m:mPr>
-                            <m:mr>
-                              <m:e>
-                                <m:r>
-                                  <m:rPr>
-                                    <m:brk m:alnAt="7"/>
-                                  </m:rPr>
-                                  <a:rPr lang="en-US" sz="4800" b="0" i="1" smtClean="0">
-                                    <a:latin typeface="Cambria Math" panose="02040503050406030204" pitchFamily="18" charset="0"/>
-                                  </a:rPr>
-                                  <m:t>4</m:t>
-                                </m:r>
-                              </m:e>
-                              <m:e>
-                                <m:r>
-                                  <a:rPr lang="en-US" sz="4800" b="0" i="1" smtClean="0">
-                                    <a:latin typeface="Cambria Math" panose="02040503050406030204" pitchFamily="18" charset="0"/>
-                                  </a:rPr>
-                                  <m:t>0</m:t>
-                                </m:r>
-                              </m:e>
-                            </m:mr>
-                            <m:mr>
-                              <m:e>
-                                <m:r>
-                                  <a:rPr lang="en-US" sz="4800" b="0" i="1" smtClean="0">
-                                    <a:latin typeface="Cambria Math" panose="02040503050406030204" pitchFamily="18" charset="0"/>
-                                  </a:rPr>
-                                  <m:t>0</m:t>
-                                </m:r>
-                              </m:e>
-                              <m:e>
-                                <m:r>
-                                  <a:rPr lang="en-US" sz="4800" b="0" i="1" smtClean="0">
-                                    <a:latin typeface="Cambria Math" panose="02040503050406030204" pitchFamily="18" charset="0"/>
-                                  </a:rPr>
-                                  <m:t>5</m:t>
-                                </m:r>
-                              </m:e>
-                            </m:mr>
-                          </m:m>
-                          <m:r>
-                            <a:rPr lang="en-US" sz="4800" b="0" i="1" smtClean="0">
-                              <a:latin typeface="Cambria Math" panose="02040503050406030204" pitchFamily="18" charset="0"/>
-                            </a:rPr>
-                            <m:t> </m:t>
-                          </m:r>
-                        </m:e>
-                      </m:d>
-                    </m:oMath>
-                  </m:oMathPara>
-                </a14:m>
-                <a:endParaRPr lang="en-US" sz="4800" dirty="0"/>
-              </a:p>
-            </p:txBody>
-          </p:sp>
-        </mc:Choice>
-        <mc:Fallback>
-          <p:sp>
-            <p:nvSpPr>
-              <p:cNvPr id="18" name="TextBox 17">
-                <a:extLst>
-                  <a:ext uri="{FF2B5EF4-FFF2-40B4-BE49-F238E27FC236}">
-                    <a16:creationId xmlns:a16="http://schemas.microsoft.com/office/drawing/2014/main" id="{6007D95E-13AF-4CE0-AE3C-3EB3BE705B68}"/>
-                  </a:ext>
-                </a:extLst>
-              </p:cNvPr>
-              <p:cNvSpPr txBox="1">
-                <a:spLocks noRot="1" noChangeAspect="1" noMove="1" noResize="1" noEditPoints="1" noAdjustHandles="1" noChangeArrowheads="1" noChangeShapeType="1" noTextEdit="1"/>
-              </p:cNvSpPr>
-              <p:nvPr/>
-            </p:nvSpPr>
-            <p:spPr>
-              <a:xfrm>
-                <a:off x="8031826" y="1797671"/>
-                <a:ext cx="2160014" cy="1231684"/>
-              </a:xfrm>
-              <a:prstGeom prst="rect">
-                <a:avLst/>
-              </a:prstGeom>
-              <a:blipFill>
-                <a:blip r:embed="rId7"/>
-                <a:stretch>
-                  <a:fillRect/>
-                </a:stretch>
-              </a:blipFill>
-            </p:spPr>
-            <p:txBody>
-              <a:bodyPr/>
-              <a:lstStyle/>
-              <a:p>
-                <a:r>
-                  <a:rPr lang="en-US">
-                    <a:noFill/>
-                  </a:rPr>
-                  <a:t> </a:t>
-                </a:r>
-              </a:p>
-            </p:txBody>
-          </p:sp>
-        </mc:Fallback>
-      </mc:AlternateContent>
-      <p:sp>
-        <p:nvSpPr>
-          <p:cNvPr id="19" name="TextBox 18">
-            <a:extLst>
-              <a:ext uri="{FF2B5EF4-FFF2-40B4-BE49-F238E27FC236}">
-                <a16:creationId xmlns:a16="http://schemas.microsoft.com/office/drawing/2014/main" id="{8D67E211-86B5-4AB0-93F9-67080013BAA9}"/>
-              </a:ext>
-            </a:extLst>
-          </p:cNvPr>
-          <p:cNvSpPr txBox="1"/>
-          <p:nvPr/>
-        </p:nvSpPr>
-        <p:spPr>
-          <a:xfrm>
-            <a:off x="8031826" y="1118165"/>
-            <a:ext cx="2497327" cy="501932"/>
-          </a:xfrm>
-          <a:prstGeom prst="rect">
-            <a:avLst/>
-          </a:prstGeom>
-          <a:noFill/>
-        </p:spPr>
-        <p:txBody>
-          <a:bodyPr wrap="square" rtlCol="0">
-            <a:spAutoFit/>
-          </a:bodyPr>
-          <a:lstStyle/>
-          <a:p>
-            <a:pPr>
-              <a:lnSpc>
-                <a:spcPct val="150000"/>
-              </a:lnSpc>
-            </a:pPr>
-            <a:r>
-              <a:rPr lang="en-US" sz="2000" dirty="0" err="1">
-                <a:solidFill>
-                  <a:schemeClr val="accent4">
-                    <a:lumMod val="60000"/>
-                    <a:lumOff val="40000"/>
-                  </a:schemeClr>
-                </a:solidFill>
-                <a:latin typeface="Montserrat SemiBold" panose="00000700000000000000" pitchFamily="2" charset="0"/>
-              </a:rPr>
-              <a:t>Eng</a:t>
-            </a:r>
-            <a:r>
-              <a:rPr lang="en-US" sz="2000" dirty="0">
-                <a:solidFill>
-                  <a:schemeClr val="accent4">
-                    <a:lumMod val="60000"/>
-                    <a:lumOff val="40000"/>
-                  </a:schemeClr>
-                </a:solidFill>
-                <a:latin typeface="Montserrat SemiBold" panose="00000700000000000000" pitchFamily="2" charset="0"/>
-              </a:rPr>
-              <a:t> </a:t>
-            </a:r>
-            <a:r>
-              <a:rPr lang="en-US" sz="2000" dirty="0" err="1">
-                <a:solidFill>
-                  <a:schemeClr val="accent4">
-                    <a:lumMod val="60000"/>
-                    <a:lumOff val="40000"/>
-                  </a:schemeClr>
-                </a:solidFill>
-                <a:latin typeface="Montserrat SemiBold" panose="00000700000000000000" pitchFamily="2" charset="0"/>
-              </a:rPr>
-              <a:t>yaxshi</a:t>
-            </a:r>
-            <a:r>
-              <a:rPr lang="en-US" sz="2000" dirty="0">
-                <a:solidFill>
-                  <a:schemeClr val="accent4">
-                    <a:lumMod val="60000"/>
-                    <a:lumOff val="40000"/>
-                  </a:schemeClr>
-                </a:solidFill>
-                <a:latin typeface="Montserrat SemiBold" panose="00000700000000000000" pitchFamily="2" charset="0"/>
-              </a:rPr>
-              <a:t> </a:t>
-            </a:r>
-            <a:r>
-              <a:rPr lang="en-US" sz="2000" dirty="0" err="1">
-                <a:solidFill>
-                  <a:schemeClr val="accent4">
-                    <a:lumMod val="60000"/>
-                    <a:lumOff val="40000"/>
-                  </a:schemeClr>
-                </a:solidFill>
-                <a:latin typeface="Montserrat SemiBold" panose="00000700000000000000" pitchFamily="2" charset="0"/>
-              </a:rPr>
-              <a:t>holat</a:t>
-            </a:r>
-            <a:r>
-              <a:rPr lang="en-US" sz="2000" dirty="0">
-                <a:solidFill>
-                  <a:schemeClr val="accent4">
-                    <a:lumMod val="60000"/>
-                    <a:lumOff val="40000"/>
-                  </a:schemeClr>
-                </a:solidFill>
-                <a:latin typeface="Montserrat SemiBold" panose="00000700000000000000" pitchFamily="2" charset="0"/>
-              </a:rPr>
-              <a:t>:</a:t>
-            </a:r>
-          </a:p>
-        </p:txBody>
-      </p:sp>
-      <p:sp>
-        <p:nvSpPr>
-          <p:cNvPr id="20" name="TextBox 19">
-            <a:extLst>
-              <a:ext uri="{FF2B5EF4-FFF2-40B4-BE49-F238E27FC236}">
-                <a16:creationId xmlns:a16="http://schemas.microsoft.com/office/drawing/2014/main" id="{6C75EA1F-4863-46C3-B9FA-ED528C11F6DE}"/>
-              </a:ext>
-            </a:extLst>
-          </p:cNvPr>
-          <p:cNvSpPr txBox="1"/>
-          <p:nvPr/>
-        </p:nvSpPr>
-        <p:spPr>
-          <a:xfrm>
-            <a:off x="4952723" y="1123035"/>
-            <a:ext cx="2497327" cy="501932"/>
-          </a:xfrm>
-          <a:prstGeom prst="rect">
-            <a:avLst/>
-          </a:prstGeom>
-          <a:noFill/>
-        </p:spPr>
-        <p:txBody>
-          <a:bodyPr wrap="square" rtlCol="0">
-            <a:spAutoFit/>
-          </a:bodyPr>
-          <a:lstStyle/>
-          <a:p>
-            <a:pPr>
-              <a:lnSpc>
-                <a:spcPct val="150000"/>
-              </a:lnSpc>
-            </a:pPr>
-            <a:r>
-              <a:rPr lang="en-US" sz="2000" dirty="0">
-                <a:solidFill>
-                  <a:schemeClr val="accent4">
-                    <a:lumMod val="60000"/>
-                    <a:lumOff val="40000"/>
-                  </a:schemeClr>
-                </a:solidFill>
-                <a:latin typeface="Montserrat SemiBold" panose="00000700000000000000" pitchFamily="2" charset="0"/>
-              </a:rPr>
-              <a:t>Matrix:</a:t>
-            </a:r>
-            <a:endParaRPr lang="en-US" sz="6000" dirty="0">
-              <a:solidFill>
-                <a:schemeClr val="accent4">
-                  <a:lumMod val="60000"/>
-                  <a:lumOff val="40000"/>
-                </a:schemeClr>
-              </a:solidFill>
-              <a:latin typeface="Montserrat SemiBold" panose="00000700000000000000" pitchFamily="2" charset="0"/>
-            </a:endParaRPr>
-          </a:p>
-        </p:txBody>
-      </p:sp>
-      <p:sp>
-        <p:nvSpPr>
-          <p:cNvPr id="17" name="Flowchart: Connector 16">
-            <a:extLst>
-              <a:ext uri="{FF2B5EF4-FFF2-40B4-BE49-F238E27FC236}">
-                <a16:creationId xmlns:a16="http://schemas.microsoft.com/office/drawing/2014/main" id="{6E8D298E-DAB7-4197-9DDA-F6115328210C}"/>
-              </a:ext>
-            </a:extLst>
-          </p:cNvPr>
-          <p:cNvSpPr/>
-          <p:nvPr/>
-        </p:nvSpPr>
-        <p:spPr>
-          <a:xfrm>
-            <a:off x="8310616" y="1795851"/>
-            <a:ext cx="716280" cy="623756"/>
-          </a:xfrm>
-          <a:prstGeom prst="flowChartConnector">
-            <a:avLst/>
-          </a:prstGeom>
-          <a:noFill/>
-          <a:ln w="38100">
-            <a:solidFill>
-              <a:srgbClr val="00FF00"/>
-            </a:solidFill>
-          </a:ln>
-        </p:spPr>
-        <p:style>
-          <a:lnRef idx="2">
-            <a:schemeClr val="accent1">
-              <a:shade val="50000"/>
-            </a:schemeClr>
-          </a:lnRef>
-          <a:fillRef idx="1">
-            <a:schemeClr val="accent1"/>
-          </a:fillRef>
-          <a:effectRef idx="0">
-            <a:schemeClr val="accent1"/>
-          </a:effectRef>
-          <a:fontRef idx="minor">
-            <a:schemeClr val="lt1"/>
-          </a:fontRef>
-        </p:style>
-        <p:txBody>
-          <a:bodyPr rtlCol="0" anchor="ctr"/>
-          <a:lstStyle/>
-          <a:p>
-            <a:pPr algn="ctr"/>
-            <a:endParaRPr lang="en-US"/>
-          </a:p>
-        </p:txBody>
-      </p:sp>
-      <p:sp>
-        <p:nvSpPr>
-          <p:cNvPr id="22" name="Flowchart: Connector 21">
-            <a:extLst>
-              <a:ext uri="{FF2B5EF4-FFF2-40B4-BE49-F238E27FC236}">
-                <a16:creationId xmlns:a16="http://schemas.microsoft.com/office/drawing/2014/main" id="{5BE881AD-485F-4F9C-9B78-2352C4700A92}"/>
-              </a:ext>
-            </a:extLst>
-          </p:cNvPr>
-          <p:cNvSpPr/>
-          <p:nvPr/>
-        </p:nvSpPr>
-        <p:spPr>
-          <a:xfrm>
-            <a:off x="9219529" y="2482896"/>
-            <a:ext cx="716280" cy="623756"/>
-          </a:xfrm>
-          <a:prstGeom prst="flowChartConnector">
-            <a:avLst/>
-          </a:prstGeom>
-          <a:noFill/>
-          <a:ln w="38100">
-            <a:solidFill>
-              <a:srgbClr val="00FF00"/>
-            </a:solidFill>
-          </a:ln>
-        </p:spPr>
-        <p:style>
-          <a:lnRef idx="2">
-            <a:schemeClr val="accent1">
-              <a:shade val="50000"/>
-            </a:schemeClr>
-          </a:lnRef>
-          <a:fillRef idx="1">
-            <a:schemeClr val="accent1"/>
-          </a:fillRef>
-          <a:effectRef idx="0">
-            <a:schemeClr val="accent1"/>
-          </a:effectRef>
-          <a:fontRef idx="minor">
-            <a:schemeClr val="lt1"/>
-          </a:fontRef>
-        </p:style>
-        <p:txBody>
-          <a:bodyPr rtlCol="0" anchor="ctr"/>
-          <a:lstStyle/>
-          <a:p>
-            <a:pPr algn="ctr"/>
-            <a:endParaRPr lang="en-US"/>
           </a:p>
         </p:txBody>
       </p:sp>
@@ -10802,7 +9766,7 @@
           <p:nvPr/>
         </p:nvPicPr>
         <p:blipFill>
-          <a:blip r:embed="rId8">
+          <a:blip r:embed="rId2">
             <a:extLst>
               <a:ext uri="{28A0092B-C50C-407E-A947-70E740481C1C}">
                 <a14:useLocalDpi xmlns:a14="http://schemas.microsoft.com/office/drawing/2010/main" val="0"/>
@@ -10816,8 +9780,8 @@
         </p:blipFill>
         <p:spPr bwMode="auto">
           <a:xfrm>
-            <a:off x="698536" y="1326030"/>
-            <a:ext cx="3642556" cy="2644085"/>
+            <a:off x="2561377" y="1212198"/>
+            <a:ext cx="7069246" cy="5131476"/>
           </a:xfrm>
           <a:prstGeom prst="round2DiagRect">
             <a:avLst>
@@ -10853,6 +9817,407 @@
     <p:extLst>
       <p:ext uri="{BB962C8B-B14F-4D97-AF65-F5344CB8AC3E}">
         <p14:creationId xmlns:p14="http://schemas.microsoft.com/office/powerpoint/2010/main" val="2608238126"/>
+      </p:ext>
+    </p:extLst>
+  </p:cSld>
+  <p:clrMapOvr>
+    <a:masterClrMapping/>
+  </p:clrMapOvr>
+  <p:timing>
+    <p:tnLst>
+      <p:par>
+        <p:cTn id="1" dur="indefinite" restart="never" nodeType="tmRoot">
+          <p:childTnLst>
+            <p:seq concurrent="1" nextAc="seek">
+              <p:cTn id="2" dur="indefinite" nodeType="mainSeq">
+                <p:childTnLst>
+                  <p:par>
+                    <p:cTn id="3" fill="hold">
+                      <p:stCondLst>
+                        <p:cond delay="indefinite"/>
+                      </p:stCondLst>
+                      <p:childTnLst>
+                        <p:par>
+                          <p:cTn id="4" fill="hold">
+                            <p:stCondLst>
+                              <p:cond delay="0"/>
+                            </p:stCondLst>
+                            <p:childTnLst>
+                              <p:par>
+                                <p:cTn id="5" presetID="10" presetClass="entr" presetSubtype="0" fill="hold" grpId="0" nodeType="clickEffect">
+                                  <p:stCondLst>
+                                    <p:cond delay="0"/>
+                                  </p:stCondLst>
+                                  <p:childTnLst>
+                                    <p:set>
+                                      <p:cBhvr>
+                                        <p:cTn id="6" dur="1" fill="hold">
+                                          <p:stCondLst>
+                                            <p:cond delay="0"/>
+                                          </p:stCondLst>
+                                        </p:cTn>
+                                        <p:tgtEl>
+                                          <p:spTgt spid="6"/>
+                                        </p:tgtEl>
+                                        <p:attrNameLst>
+                                          <p:attrName>style.visibility</p:attrName>
+                                        </p:attrNameLst>
+                                      </p:cBhvr>
+                                      <p:to>
+                                        <p:strVal val="visible"/>
+                                      </p:to>
+                                    </p:set>
+                                    <p:animEffect transition="in" filter="fade">
+                                      <p:cBhvr>
+                                        <p:cTn id="7" dur="500"/>
+                                        <p:tgtEl>
+                                          <p:spTgt spid="6"/>
+                                        </p:tgtEl>
+                                      </p:cBhvr>
+                                    </p:animEffect>
+                                  </p:childTnLst>
+                                </p:cTn>
+                              </p:par>
+                            </p:childTnLst>
+                          </p:cTn>
+                        </p:par>
+                      </p:childTnLst>
+                    </p:cTn>
+                  </p:par>
+                  <p:par>
+                    <p:cTn id="8" fill="hold">
+                      <p:stCondLst>
+                        <p:cond delay="indefinite"/>
+                      </p:stCondLst>
+                      <p:childTnLst>
+                        <p:par>
+                          <p:cTn id="9" fill="hold">
+                            <p:stCondLst>
+                              <p:cond delay="0"/>
+                            </p:stCondLst>
+                            <p:childTnLst>
+                              <p:par>
+                                <p:cTn id="10" presetID="10" presetClass="entr" presetSubtype="0" fill="hold" nodeType="clickEffect">
+                                  <p:stCondLst>
+                                    <p:cond delay="0"/>
+                                  </p:stCondLst>
+                                  <p:childTnLst>
+                                    <p:set>
+                                      <p:cBhvr>
+                                        <p:cTn id="11" dur="1" fill="hold">
+                                          <p:stCondLst>
+                                            <p:cond delay="0"/>
+                                          </p:stCondLst>
+                                        </p:cTn>
+                                        <p:tgtEl>
+                                          <p:spTgt spid="5122"/>
+                                        </p:tgtEl>
+                                        <p:attrNameLst>
+                                          <p:attrName>style.visibility</p:attrName>
+                                        </p:attrNameLst>
+                                      </p:cBhvr>
+                                      <p:to>
+                                        <p:strVal val="visible"/>
+                                      </p:to>
+                                    </p:set>
+                                    <p:animEffect transition="in" filter="fade">
+                                      <p:cBhvr>
+                                        <p:cTn id="12" dur="500"/>
+                                        <p:tgtEl>
+                                          <p:spTgt spid="5122"/>
+                                        </p:tgtEl>
+                                      </p:cBhvr>
+                                    </p:animEffect>
+                                  </p:childTnLst>
+                                </p:cTn>
+                              </p:par>
+                            </p:childTnLst>
+                          </p:cTn>
+                        </p:par>
+                      </p:childTnLst>
+                    </p:cTn>
+                  </p:par>
+                </p:childTnLst>
+              </p:cTn>
+              <p:prevCondLst>
+                <p:cond evt="onPrev" delay="0">
+                  <p:tgtEl>
+                    <p:sldTgt/>
+                  </p:tgtEl>
+                </p:cond>
+              </p:prevCondLst>
+              <p:nextCondLst>
+                <p:cond evt="onNext" delay="0">
+                  <p:tgtEl>
+                    <p:sldTgt/>
+                  </p:tgtEl>
+                </p:cond>
+              </p:nextCondLst>
+            </p:seq>
+          </p:childTnLst>
+        </p:cTn>
+      </p:par>
+    </p:tnLst>
+    <p:bldLst>
+      <p:bldP spid="6" grpId="0"/>
+    </p:bldLst>
+  </p:timing>
+</p:sld>
+</file>
+
+<file path=ppt/slides/slide8.xml><?xml version="1.0" encoding="utf-8"?>
+<p:sld xmlns:a="http://schemas.openxmlformats.org/drawingml/2006/main" xmlns:r="http://schemas.openxmlformats.org/officeDocument/2006/relationships" xmlns:p="http://schemas.openxmlformats.org/presentationml/2006/main">
+  <p:cSld>
+    <p:spTree>
+      <p:nvGrpSpPr>
+        <p:cNvPr id="1" name=""/>
+        <p:cNvGrpSpPr/>
+        <p:nvPr/>
+      </p:nvGrpSpPr>
+      <p:grpSpPr>
+        <a:xfrm>
+          <a:off x="0" y="0"/>
+          <a:ext cx="0" cy="0"/>
+          <a:chOff x="0" y="0"/>
+          <a:chExt cx="0" cy="0"/>
+        </a:xfrm>
+      </p:grpSpPr>
+      <p:sp>
+        <p:nvSpPr>
+          <p:cNvPr id="4" name="TextBox 3">
+            <a:extLst>
+              <a:ext uri="{FF2B5EF4-FFF2-40B4-BE49-F238E27FC236}">
+                <a16:creationId xmlns:a16="http://schemas.microsoft.com/office/drawing/2014/main" id="{3624262D-DDE0-4966-8C1E-424F3DF80178}"/>
+              </a:ext>
+            </a:extLst>
+          </p:cNvPr>
+          <p:cNvSpPr txBox="1"/>
+          <p:nvPr/>
+        </p:nvSpPr>
+        <p:spPr>
+          <a:xfrm>
+            <a:off x="529942" y="445823"/>
+            <a:ext cx="9030747" cy="400110"/>
+          </a:xfrm>
+          <a:prstGeom prst="rect">
+            <a:avLst/>
+          </a:prstGeom>
+          <a:noFill/>
+        </p:spPr>
+        <p:txBody>
+          <a:bodyPr wrap="square" rtlCol="0">
+            <a:spAutoFit/>
+          </a:bodyPr>
+          <a:lstStyle/>
+          <a:p>
+            <a:r>
+              <a:rPr lang="en-US" sz="2000" dirty="0" err="1">
+                <a:solidFill>
+                  <a:schemeClr val="accent4">
+                    <a:lumMod val="60000"/>
+                    <a:lumOff val="40000"/>
+                  </a:schemeClr>
+                </a:solidFill>
+                <a:latin typeface="Montserrat SemiBold" panose="00000700000000000000" pitchFamily="2" charset="0"/>
+              </a:rPr>
+              <a:t>Avtomatlashgan</a:t>
+            </a:r>
+            <a:r>
+              <a:rPr lang="en-US" sz="2000" dirty="0">
+                <a:solidFill>
+                  <a:schemeClr val="accent4">
+                    <a:lumMod val="60000"/>
+                    <a:lumOff val="40000"/>
+                  </a:schemeClr>
+                </a:solidFill>
+                <a:latin typeface="Montserrat SemiBold" panose="00000700000000000000" pitchFamily="2" charset="0"/>
+              </a:rPr>
+              <a:t> Hyperparameter Tuning</a:t>
+            </a:r>
+          </a:p>
+        </p:txBody>
+      </p:sp>
+      <p:sp>
+        <p:nvSpPr>
+          <p:cNvPr id="6" name="TextBox 5">
+            <a:extLst>
+              <a:ext uri="{FF2B5EF4-FFF2-40B4-BE49-F238E27FC236}">
+                <a16:creationId xmlns:a16="http://schemas.microsoft.com/office/drawing/2014/main" id="{EBBC4A12-483A-4AA4-A32E-84DBEDB9A804}"/>
+              </a:ext>
+            </a:extLst>
+          </p:cNvPr>
+          <p:cNvSpPr txBox="1"/>
+          <p:nvPr/>
+        </p:nvSpPr>
+        <p:spPr>
+          <a:xfrm>
+            <a:off x="529942" y="1120078"/>
+            <a:ext cx="2259439" cy="501932"/>
+          </a:xfrm>
+          <a:prstGeom prst="rect">
+            <a:avLst/>
+          </a:prstGeom>
+          <a:noFill/>
+        </p:spPr>
+        <p:txBody>
+          <a:bodyPr wrap="square" rtlCol="0">
+            <a:spAutoFit/>
+          </a:bodyPr>
+          <a:lstStyle/>
+          <a:p>
+            <a:pPr>
+              <a:lnSpc>
+                <a:spcPct val="150000"/>
+              </a:lnSpc>
+            </a:pPr>
+            <a:r>
+              <a:rPr lang="en-US" sz="2000" dirty="0" err="1">
+                <a:solidFill>
+                  <a:schemeClr val="accent4">
+                    <a:lumMod val="60000"/>
+                    <a:lumOff val="40000"/>
+                  </a:schemeClr>
+                </a:solidFill>
+                <a:latin typeface="Montserrat SemiBold" panose="00000700000000000000" pitchFamily="2" charset="0"/>
+              </a:rPr>
+              <a:t>GridSearchCV</a:t>
+            </a:r>
+            <a:r>
+              <a:rPr lang="en-US" sz="2000" dirty="0">
+                <a:solidFill>
+                  <a:schemeClr val="accent4">
+                    <a:lumMod val="60000"/>
+                    <a:lumOff val="40000"/>
+                  </a:schemeClr>
+                </a:solidFill>
+                <a:latin typeface="Montserrat SemiBold" panose="00000700000000000000" pitchFamily="2" charset="0"/>
+              </a:rPr>
+              <a:t>:</a:t>
+            </a:r>
+          </a:p>
+        </p:txBody>
+      </p:sp>
+      <p:sp>
+        <p:nvSpPr>
+          <p:cNvPr id="5" name="TextBox 4">
+            <a:extLst>
+              <a:ext uri="{FF2B5EF4-FFF2-40B4-BE49-F238E27FC236}">
+                <a16:creationId xmlns:a16="http://schemas.microsoft.com/office/drawing/2014/main" id="{520000EA-8AC3-46DC-9534-982C72347284}"/>
+              </a:ext>
+            </a:extLst>
+          </p:cNvPr>
+          <p:cNvSpPr txBox="1"/>
+          <p:nvPr/>
+        </p:nvSpPr>
+        <p:spPr>
+          <a:xfrm>
+            <a:off x="529942" y="1896155"/>
+            <a:ext cx="9408385" cy="501932"/>
+          </a:xfrm>
+          <a:prstGeom prst="rect">
+            <a:avLst/>
+          </a:prstGeom>
+          <a:noFill/>
+        </p:spPr>
+        <p:txBody>
+          <a:bodyPr wrap="square" rtlCol="0">
+            <a:spAutoFit/>
+          </a:bodyPr>
+          <a:lstStyle/>
+          <a:p>
+            <a:pPr>
+              <a:lnSpc>
+                <a:spcPct val="150000"/>
+              </a:lnSpc>
+            </a:pPr>
+            <a:r>
+              <a:rPr lang="en-US" sz="2000" dirty="0" err="1">
+                <a:latin typeface="Montserrat SemiBold" panose="00000700000000000000" pitchFamily="2" charset="0"/>
+              </a:rPr>
+              <a:t>Eng</a:t>
+            </a:r>
+            <a:r>
+              <a:rPr lang="en-US" sz="2000" dirty="0">
+                <a:latin typeface="Montserrat SemiBold" panose="00000700000000000000" pitchFamily="2" charset="0"/>
+              </a:rPr>
+              <a:t> </a:t>
+            </a:r>
+            <a:r>
+              <a:rPr lang="en-US" sz="2000" dirty="0" err="1">
+                <a:latin typeface="Montserrat SemiBold" panose="00000700000000000000" pitchFamily="2" charset="0"/>
+              </a:rPr>
+              <a:t>yuqori</a:t>
+            </a:r>
+            <a:r>
+              <a:rPr lang="en-US" sz="2000" dirty="0">
+                <a:latin typeface="Montserrat SemiBold" panose="00000700000000000000" pitchFamily="2" charset="0"/>
+              </a:rPr>
+              <a:t> </a:t>
+            </a:r>
+            <a:r>
+              <a:rPr lang="en-US" sz="2000" dirty="0" err="1">
+                <a:latin typeface="Montserrat SemiBold" panose="00000700000000000000" pitchFamily="2" charset="0"/>
+              </a:rPr>
+              <a:t>aniqlikni</a:t>
+            </a:r>
+            <a:r>
+              <a:rPr lang="en-US" sz="2000" dirty="0">
+                <a:latin typeface="Montserrat SemiBold" panose="00000700000000000000" pitchFamily="2" charset="0"/>
+              </a:rPr>
+              <a:t> </a:t>
+            </a:r>
+            <a:r>
+              <a:rPr lang="en-US" sz="2000" dirty="0" err="1">
+                <a:latin typeface="Montserrat SemiBold" panose="00000700000000000000" pitchFamily="2" charset="0"/>
+              </a:rPr>
+              <a:t>taqdim</a:t>
+            </a:r>
+            <a:r>
+              <a:rPr lang="en-US" sz="2000" dirty="0">
+                <a:latin typeface="Montserrat SemiBold" panose="00000700000000000000" pitchFamily="2" charset="0"/>
+              </a:rPr>
+              <a:t> </a:t>
+            </a:r>
+            <a:r>
+              <a:rPr lang="en-US" sz="2000" dirty="0" err="1">
+                <a:latin typeface="Montserrat SemiBold" panose="00000700000000000000" pitchFamily="2" charset="0"/>
+              </a:rPr>
+              <a:t>etuvchi</a:t>
+            </a:r>
+            <a:r>
+              <a:rPr lang="en-US" sz="2000" dirty="0">
+                <a:latin typeface="Montserrat SemiBold" panose="00000700000000000000" pitchFamily="2" charset="0"/>
+              </a:rPr>
+              <a:t> </a:t>
+            </a:r>
+            <a:r>
+              <a:rPr lang="en-US" sz="2000" dirty="0" err="1">
+                <a:latin typeface="Montserrat SemiBold" panose="00000700000000000000" pitchFamily="2" charset="0"/>
+              </a:rPr>
+              <a:t>hyperparameterlarni</a:t>
+            </a:r>
+            <a:r>
+              <a:rPr lang="en-US" sz="2000" dirty="0">
+                <a:latin typeface="Montserrat SemiBold" panose="00000700000000000000" pitchFamily="2" charset="0"/>
+              </a:rPr>
+              <a:t> </a:t>
+            </a:r>
+            <a:r>
+              <a:rPr lang="en-US" sz="2000" dirty="0" err="1">
+                <a:latin typeface="Montserrat SemiBold" panose="00000700000000000000" pitchFamily="2" charset="0"/>
+              </a:rPr>
+              <a:t>aniqlash</a:t>
+            </a:r>
+            <a:endParaRPr lang="en-US" sz="2000" dirty="0">
+              <a:latin typeface="Montserrat SemiBold" panose="00000700000000000000" pitchFamily="2" charset="0"/>
+            </a:endParaRPr>
+          </a:p>
+        </p:txBody>
+      </p:sp>
+    </p:spTree>
+    <p:extLst>
+      <p:ext uri="{BB962C8B-B14F-4D97-AF65-F5344CB8AC3E}">
+        <p14:creationId xmlns:p14="http://schemas.microsoft.com/office/powerpoint/2010/main" val="377770248"/>
       </p:ext>
     </p:extLst>
   </p:cSld>
@@ -10973,536 +10338,6 @@
                       </p:childTnLst>
                     </p:cTn>
                   </p:par>
-                  <p:par>
-                    <p:cTn id="13" fill="hold">
-                      <p:stCondLst>
-                        <p:cond delay="indefinite"/>
-                      </p:stCondLst>
-                      <p:childTnLst>
-                        <p:par>
-                          <p:cTn id="14" fill="hold">
-                            <p:stCondLst>
-                              <p:cond delay="0"/>
-                            </p:stCondLst>
-                            <p:childTnLst>
-                              <p:par>
-                                <p:cTn id="15" presetID="10" presetClass="entr" presetSubtype="0" fill="hold" grpId="0" nodeType="clickEffect">
-                                  <p:stCondLst>
-                                    <p:cond delay="0"/>
-                                  </p:stCondLst>
-                                  <p:childTnLst>
-                                    <p:set>
-                                      <p:cBhvr>
-                                        <p:cTn id="16" dur="1" fill="hold">
-                                          <p:stCondLst>
-                                            <p:cond delay="0"/>
-                                          </p:stCondLst>
-                                        </p:cTn>
-                                        <p:tgtEl>
-                                          <p:spTgt spid="14"/>
-                                        </p:tgtEl>
-                                        <p:attrNameLst>
-                                          <p:attrName>style.visibility</p:attrName>
-                                        </p:attrNameLst>
-                                      </p:cBhvr>
-                                      <p:to>
-                                        <p:strVal val="visible"/>
-                                      </p:to>
-                                    </p:set>
-                                    <p:animEffect transition="in" filter="fade">
-                                      <p:cBhvr>
-                                        <p:cTn id="17" dur="500"/>
-                                        <p:tgtEl>
-                                          <p:spTgt spid="14"/>
-                                        </p:tgtEl>
-                                      </p:cBhvr>
-                                    </p:animEffect>
-                                  </p:childTnLst>
-                                </p:cTn>
-                              </p:par>
-                            </p:childTnLst>
-                          </p:cTn>
-                        </p:par>
-                      </p:childTnLst>
-                    </p:cTn>
-                  </p:par>
-                  <p:par>
-                    <p:cTn id="18" fill="hold">
-                      <p:stCondLst>
-                        <p:cond delay="indefinite"/>
-                      </p:stCondLst>
-                      <p:childTnLst>
-                        <p:par>
-                          <p:cTn id="19" fill="hold">
-                            <p:stCondLst>
-                              <p:cond delay="0"/>
-                            </p:stCondLst>
-                            <p:childTnLst>
-                              <p:par>
-                                <p:cTn id="20" presetID="10" presetClass="entr" presetSubtype="0" fill="hold" grpId="0" nodeType="clickEffect">
-                                  <p:stCondLst>
-                                    <p:cond delay="0"/>
-                                  </p:stCondLst>
-                                  <p:childTnLst>
-                                    <p:set>
-                                      <p:cBhvr>
-                                        <p:cTn id="21" dur="1" fill="hold">
-                                          <p:stCondLst>
-                                            <p:cond delay="0"/>
-                                          </p:stCondLst>
-                                        </p:cTn>
-                                        <p:tgtEl>
-                                          <p:spTgt spid="15"/>
-                                        </p:tgtEl>
-                                        <p:attrNameLst>
-                                          <p:attrName>style.visibility</p:attrName>
-                                        </p:attrNameLst>
-                                      </p:cBhvr>
-                                      <p:to>
-                                        <p:strVal val="visible"/>
-                                      </p:to>
-                                    </p:set>
-                                    <p:animEffect transition="in" filter="fade">
-                                      <p:cBhvr>
-                                        <p:cTn id="22" dur="500"/>
-                                        <p:tgtEl>
-                                          <p:spTgt spid="15"/>
-                                        </p:tgtEl>
-                                      </p:cBhvr>
-                                    </p:animEffect>
-                                  </p:childTnLst>
-                                </p:cTn>
-                              </p:par>
-                            </p:childTnLst>
-                          </p:cTn>
-                        </p:par>
-                      </p:childTnLst>
-                    </p:cTn>
-                  </p:par>
-                  <p:par>
-                    <p:cTn id="23" fill="hold">
-                      <p:stCondLst>
-                        <p:cond delay="indefinite"/>
-                      </p:stCondLst>
-                      <p:childTnLst>
-                        <p:par>
-                          <p:cTn id="24" fill="hold">
-                            <p:stCondLst>
-                              <p:cond delay="0"/>
-                            </p:stCondLst>
-                            <p:childTnLst>
-                              <p:par>
-                                <p:cTn id="25" presetID="10" presetClass="entr" presetSubtype="0" fill="hold" grpId="0" nodeType="clickEffect">
-                                  <p:stCondLst>
-                                    <p:cond delay="0"/>
-                                  </p:stCondLst>
-                                  <p:childTnLst>
-                                    <p:set>
-                                      <p:cBhvr>
-                                        <p:cTn id="26" dur="1" fill="hold">
-                                          <p:stCondLst>
-                                            <p:cond delay="0"/>
-                                          </p:stCondLst>
-                                        </p:cTn>
-                                        <p:tgtEl>
-                                          <p:spTgt spid="16"/>
-                                        </p:tgtEl>
-                                        <p:attrNameLst>
-                                          <p:attrName>style.visibility</p:attrName>
-                                        </p:attrNameLst>
-                                      </p:cBhvr>
-                                      <p:to>
-                                        <p:strVal val="visible"/>
-                                      </p:to>
-                                    </p:set>
-                                    <p:animEffect transition="in" filter="fade">
-                                      <p:cBhvr>
-                                        <p:cTn id="27" dur="500"/>
-                                        <p:tgtEl>
-                                          <p:spTgt spid="16"/>
-                                        </p:tgtEl>
-                                      </p:cBhvr>
-                                    </p:animEffect>
-                                  </p:childTnLst>
-                                </p:cTn>
-                              </p:par>
-                            </p:childTnLst>
-                          </p:cTn>
-                        </p:par>
-                      </p:childTnLst>
-                    </p:cTn>
-                  </p:par>
-                  <p:par>
-                    <p:cTn id="28" fill="hold">
-                      <p:stCondLst>
-                        <p:cond delay="indefinite"/>
-                      </p:stCondLst>
-                      <p:childTnLst>
-                        <p:par>
-                          <p:cTn id="29" fill="hold">
-                            <p:stCondLst>
-                              <p:cond delay="0"/>
-                            </p:stCondLst>
-                            <p:childTnLst>
-                              <p:par>
-                                <p:cTn id="30" presetID="10" presetClass="entr" presetSubtype="0" fill="hold" grpId="0" nodeType="clickEffect">
-                                  <p:stCondLst>
-                                    <p:cond delay="0"/>
-                                  </p:stCondLst>
-                                  <p:childTnLst>
-                                    <p:set>
-                                      <p:cBhvr>
-                                        <p:cTn id="31" dur="1" fill="hold">
-                                          <p:stCondLst>
-                                            <p:cond delay="0"/>
-                                          </p:stCondLst>
-                                        </p:cTn>
-                                        <p:tgtEl>
-                                          <p:spTgt spid="20"/>
-                                        </p:tgtEl>
-                                        <p:attrNameLst>
-                                          <p:attrName>style.visibility</p:attrName>
-                                        </p:attrNameLst>
-                                      </p:cBhvr>
-                                      <p:to>
-                                        <p:strVal val="visible"/>
-                                      </p:to>
-                                    </p:set>
-                                    <p:animEffect transition="in" filter="fade">
-                                      <p:cBhvr>
-                                        <p:cTn id="32" dur="500"/>
-                                        <p:tgtEl>
-                                          <p:spTgt spid="20"/>
-                                        </p:tgtEl>
-                                      </p:cBhvr>
-                                    </p:animEffect>
-                                  </p:childTnLst>
-                                </p:cTn>
-                              </p:par>
-                            </p:childTnLst>
-                          </p:cTn>
-                        </p:par>
-                      </p:childTnLst>
-                    </p:cTn>
-                  </p:par>
-                  <p:par>
-                    <p:cTn id="33" fill="hold">
-                      <p:stCondLst>
-                        <p:cond delay="indefinite"/>
-                      </p:stCondLst>
-                      <p:childTnLst>
-                        <p:par>
-                          <p:cTn id="34" fill="hold">
-                            <p:stCondLst>
-                              <p:cond delay="0"/>
-                            </p:stCondLst>
-                            <p:childTnLst>
-                              <p:par>
-                                <p:cTn id="35" presetID="10" presetClass="entr" presetSubtype="0" fill="hold" grpId="0" nodeType="clickEffect">
-                                  <p:stCondLst>
-                                    <p:cond delay="0"/>
-                                  </p:stCondLst>
-                                  <p:childTnLst>
-                                    <p:set>
-                                      <p:cBhvr>
-                                        <p:cTn id="36" dur="1" fill="hold">
-                                          <p:stCondLst>
-                                            <p:cond delay="0"/>
-                                          </p:stCondLst>
-                                        </p:cTn>
-                                        <p:tgtEl>
-                                          <p:spTgt spid="13"/>
-                                        </p:tgtEl>
-                                        <p:attrNameLst>
-                                          <p:attrName>style.visibility</p:attrName>
-                                        </p:attrNameLst>
-                                      </p:cBhvr>
-                                      <p:to>
-                                        <p:strVal val="visible"/>
-                                      </p:to>
-                                    </p:set>
-                                    <p:animEffect transition="in" filter="fade">
-                                      <p:cBhvr>
-                                        <p:cTn id="37" dur="500"/>
-                                        <p:tgtEl>
-                                          <p:spTgt spid="13"/>
-                                        </p:tgtEl>
-                                      </p:cBhvr>
-                                    </p:animEffect>
-                                  </p:childTnLst>
-                                </p:cTn>
-                              </p:par>
-                            </p:childTnLst>
-                          </p:cTn>
-                        </p:par>
-                      </p:childTnLst>
-                    </p:cTn>
-                  </p:par>
-                  <p:par>
-                    <p:cTn id="38" fill="hold">
-                      <p:stCondLst>
-                        <p:cond delay="indefinite"/>
-                      </p:stCondLst>
-                      <p:childTnLst>
-                        <p:par>
-                          <p:cTn id="39" fill="hold">
-                            <p:stCondLst>
-                              <p:cond delay="0"/>
-                            </p:stCondLst>
-                            <p:childTnLst>
-                              <p:par>
-                                <p:cTn id="40" presetID="10" presetClass="entr" presetSubtype="0" fill="hold" grpId="0" nodeType="clickEffect">
-                                  <p:stCondLst>
-                                    <p:cond delay="0"/>
-                                  </p:stCondLst>
-                                  <p:childTnLst>
-                                    <p:set>
-                                      <p:cBhvr>
-                                        <p:cTn id="41" dur="1" fill="hold">
-                                          <p:stCondLst>
-                                            <p:cond delay="0"/>
-                                          </p:stCondLst>
-                                        </p:cTn>
-                                        <p:tgtEl>
-                                          <p:spTgt spid="19"/>
-                                        </p:tgtEl>
-                                        <p:attrNameLst>
-                                          <p:attrName>style.visibility</p:attrName>
-                                        </p:attrNameLst>
-                                      </p:cBhvr>
-                                      <p:to>
-                                        <p:strVal val="visible"/>
-                                      </p:to>
-                                    </p:set>
-                                    <p:animEffect transition="in" filter="fade">
-                                      <p:cBhvr>
-                                        <p:cTn id="42" dur="500"/>
-                                        <p:tgtEl>
-                                          <p:spTgt spid="19"/>
-                                        </p:tgtEl>
-                                      </p:cBhvr>
-                                    </p:animEffect>
-                                  </p:childTnLst>
-                                </p:cTn>
-                              </p:par>
-                            </p:childTnLst>
-                          </p:cTn>
-                        </p:par>
-                      </p:childTnLst>
-                    </p:cTn>
-                  </p:par>
-                  <p:par>
-                    <p:cTn id="43" fill="hold">
-                      <p:stCondLst>
-                        <p:cond delay="indefinite"/>
-                      </p:stCondLst>
-                      <p:childTnLst>
-                        <p:par>
-                          <p:cTn id="44" fill="hold">
-                            <p:stCondLst>
-                              <p:cond delay="0"/>
-                            </p:stCondLst>
-                            <p:childTnLst>
-                              <p:par>
-                                <p:cTn id="45" presetID="10" presetClass="entr" presetSubtype="0" fill="hold" grpId="0" nodeType="clickEffect">
-                                  <p:stCondLst>
-                                    <p:cond delay="0"/>
-                                  </p:stCondLst>
-                                  <p:childTnLst>
-                                    <p:set>
-                                      <p:cBhvr>
-                                        <p:cTn id="46" dur="1" fill="hold">
-                                          <p:stCondLst>
-                                            <p:cond delay="0"/>
-                                          </p:stCondLst>
-                                        </p:cTn>
-                                        <p:tgtEl>
-                                          <p:spTgt spid="18"/>
-                                        </p:tgtEl>
-                                        <p:attrNameLst>
-                                          <p:attrName>style.visibility</p:attrName>
-                                        </p:attrNameLst>
-                                      </p:cBhvr>
-                                      <p:to>
-                                        <p:strVal val="visible"/>
-                                      </p:to>
-                                    </p:set>
-                                    <p:animEffect transition="in" filter="fade">
-                                      <p:cBhvr>
-                                        <p:cTn id="47" dur="500"/>
-                                        <p:tgtEl>
-                                          <p:spTgt spid="18"/>
-                                        </p:tgtEl>
-                                      </p:cBhvr>
-                                    </p:animEffect>
-                                  </p:childTnLst>
-                                </p:cTn>
-                              </p:par>
-                            </p:childTnLst>
-                          </p:cTn>
-                        </p:par>
-                      </p:childTnLst>
-                    </p:cTn>
-                  </p:par>
-                  <p:par>
-                    <p:cTn id="48" fill="hold">
-                      <p:stCondLst>
-                        <p:cond delay="indefinite"/>
-                      </p:stCondLst>
-                      <p:childTnLst>
-                        <p:par>
-                          <p:cTn id="49" fill="hold">
-                            <p:stCondLst>
-                              <p:cond delay="0"/>
-                            </p:stCondLst>
-                            <p:childTnLst>
-                              <p:par>
-                                <p:cTn id="50" presetID="10" presetClass="entr" presetSubtype="0" fill="hold" grpId="0" nodeType="clickEffect">
-                                  <p:stCondLst>
-                                    <p:cond delay="0"/>
-                                  </p:stCondLst>
-                                  <p:childTnLst>
-                                    <p:set>
-                                      <p:cBhvr>
-                                        <p:cTn id="51" dur="1" fill="hold">
-                                          <p:stCondLst>
-                                            <p:cond delay="0"/>
-                                          </p:stCondLst>
-                                        </p:cTn>
-                                        <p:tgtEl>
-                                          <p:spTgt spid="17"/>
-                                        </p:tgtEl>
-                                        <p:attrNameLst>
-                                          <p:attrName>style.visibility</p:attrName>
-                                        </p:attrNameLst>
-                                      </p:cBhvr>
-                                      <p:to>
-                                        <p:strVal val="visible"/>
-                                      </p:to>
-                                    </p:set>
-                                    <p:animEffect transition="in" filter="fade">
-                                      <p:cBhvr>
-                                        <p:cTn id="52" dur="500"/>
-                                        <p:tgtEl>
-                                          <p:spTgt spid="17"/>
-                                        </p:tgtEl>
-                                      </p:cBhvr>
-                                    </p:animEffect>
-                                  </p:childTnLst>
-                                </p:cTn>
-                              </p:par>
-                            </p:childTnLst>
-                          </p:cTn>
-                        </p:par>
-                      </p:childTnLst>
-                    </p:cTn>
-                  </p:par>
-                  <p:par>
-                    <p:cTn id="53" fill="hold">
-                      <p:stCondLst>
-                        <p:cond delay="indefinite"/>
-                      </p:stCondLst>
-                      <p:childTnLst>
-                        <p:par>
-                          <p:cTn id="54" fill="hold">
-                            <p:stCondLst>
-                              <p:cond delay="0"/>
-                            </p:stCondLst>
-                            <p:childTnLst>
-                              <p:par>
-                                <p:cTn id="55" presetID="10" presetClass="entr" presetSubtype="0" fill="hold" grpId="0" nodeType="clickEffect">
-                                  <p:stCondLst>
-                                    <p:cond delay="0"/>
-                                  </p:stCondLst>
-                                  <p:childTnLst>
-                                    <p:set>
-                                      <p:cBhvr>
-                                        <p:cTn id="56" dur="1" fill="hold">
-                                          <p:stCondLst>
-                                            <p:cond delay="0"/>
-                                          </p:stCondLst>
-                                        </p:cTn>
-                                        <p:tgtEl>
-                                          <p:spTgt spid="22"/>
-                                        </p:tgtEl>
-                                        <p:attrNameLst>
-                                          <p:attrName>style.visibility</p:attrName>
-                                        </p:attrNameLst>
-                                      </p:cBhvr>
-                                      <p:to>
-                                        <p:strVal val="visible"/>
-                                      </p:to>
-                                    </p:set>
-                                    <p:animEffect transition="in" filter="fade">
-                                      <p:cBhvr>
-                                        <p:cTn id="57" dur="500"/>
-                                        <p:tgtEl>
-                                          <p:spTgt spid="22"/>
-                                        </p:tgtEl>
-                                      </p:cBhvr>
-                                    </p:animEffect>
-                                  </p:childTnLst>
-                                </p:cTn>
-                              </p:par>
-                            </p:childTnLst>
-                          </p:cTn>
-                        </p:par>
-                      </p:childTnLst>
-                    </p:cTn>
-                  </p:par>
-                  <p:par>
-                    <p:cTn id="58" fill="hold">
-                      <p:stCondLst>
-                        <p:cond delay="indefinite"/>
-                      </p:stCondLst>
-                      <p:childTnLst>
-                        <p:par>
-                          <p:cTn id="59" fill="hold">
-                            <p:stCondLst>
-                              <p:cond delay="0"/>
-                            </p:stCondLst>
-                            <p:childTnLst>
-                              <p:par>
-                                <p:cTn id="60" presetID="10" presetClass="entr" presetSubtype="0" fill="hold" nodeType="clickEffect">
-                                  <p:stCondLst>
-                                    <p:cond delay="0"/>
-                                  </p:stCondLst>
-                                  <p:childTnLst>
-                                    <p:set>
-                                      <p:cBhvr>
-                                        <p:cTn id="61" dur="1" fill="hold">
-                                          <p:stCondLst>
-                                            <p:cond delay="0"/>
-                                          </p:stCondLst>
-                                        </p:cTn>
-                                        <p:tgtEl>
-                                          <p:spTgt spid="5122"/>
-                                        </p:tgtEl>
-                                        <p:attrNameLst>
-                                          <p:attrName>style.visibility</p:attrName>
-                                        </p:attrNameLst>
-                                      </p:cBhvr>
-                                      <p:to>
-                                        <p:strVal val="visible"/>
-                                      </p:to>
-                                    </p:set>
-                                    <p:animEffect transition="in" filter="fade">
-                                      <p:cBhvr>
-                                        <p:cTn id="62" dur="500"/>
-                                        <p:tgtEl>
-                                          <p:spTgt spid="5122"/>
-                                        </p:tgtEl>
-                                      </p:cBhvr>
-                                    </p:animEffect>
-                                  </p:childTnLst>
-                                </p:cTn>
-                              </p:par>
-                            </p:childTnLst>
-                          </p:cTn>
-                        </p:par>
-                      </p:childTnLst>
-                    </p:cTn>
-                  </p:par>
                 </p:childTnLst>
               </p:cTn>
               <p:prevCondLst>
@@ -11527,15 +10362,6 @@
     <p:bldLst>
       <p:bldP spid="6" grpId="0"/>
       <p:bldP spid="5" grpId="0"/>
-      <p:bldP spid="14" grpId="0"/>
-      <p:bldP spid="15" grpId="0"/>
-      <p:bldP spid="16" grpId="0"/>
-      <p:bldP spid="13" grpId="0"/>
-      <p:bldP spid="18" grpId="0"/>
-      <p:bldP spid="19" grpId="0"/>
-      <p:bldP spid="20" grpId="0"/>
-      <p:bldP spid="17" grpId="0" animBg="1"/>
-      <p:bldP spid="22" grpId="0" animBg="1"/>
     </p:bldLst>
   </p:timing>
 </p:sld>
